--- a/Lectures/Lecture 8.pptx
+++ b/Lectures/Lecture 8.pptx
@@ -20721,7 +20721,7 @@
                   <a:schemeClr val="accent1"/>
                 </a:solidFill>
               </a:rPr>
-              <a:t>Today we have covered the topic of Greedy Algorithms with the help of the following example algorithms:</a:t>
+              <a:t>Today we have covered the topic of Greedy Algorithms with the help of the following optimization problems:</a:t>
             </a:r>
           </a:p>
           <a:p>
@@ -20769,7 +20769,7 @@
                   <a:schemeClr val="accent1"/>
                 </a:solidFill>
               </a:rPr>
-              <a:t>There are two key properties that we should show to guarantee correctness and optimality of a greedy algorithm:</a:t>
+              <a:t>There are two key properties we must show to guarantee correctness and optimality of a greedy algorithm:</a:t>
             </a:r>
           </a:p>
           <a:p>

--- a/Lectures/Lecture 8.pptx
+++ b/Lectures/Lecture 8.pptx
@@ -8984,8 +8984,8 @@
           </a:p>
         </p:txBody>
       </p:sp>
-      <mc:AlternateContent xmlns:mc="http://schemas.openxmlformats.org/markup-compatibility/2006">
-        <mc:Choice xmlns:a14="http://schemas.microsoft.com/office/drawing/2010/main" Requires="a14">
+      <mc:AlternateContent xmlns:mc="http://schemas.openxmlformats.org/markup-compatibility/2006" xmlns:a14="http://schemas.microsoft.com/office/drawing/2010/main">
+        <mc:Choice Requires="a14">
           <p:sp>
             <p:nvSpPr>
               <p:cNvPr id="3" name="Content Placeholder 2">
@@ -9494,7 +9494,7 @@
             </p:txBody>
           </p:sp>
         </mc:Choice>
-        <mc:Fallback>
+        <mc:Fallback xmlns="">
           <p:sp>
             <p:nvSpPr>
               <p:cNvPr id="3" name="Content Placeholder 2">
@@ -9597,8 +9597,8 @@
           </a:p>
         </p:txBody>
       </p:sp>
-      <mc:AlternateContent xmlns:mc="http://schemas.openxmlformats.org/markup-compatibility/2006">
-        <mc:Choice xmlns:a14="http://schemas.microsoft.com/office/drawing/2010/main" Requires="a14">
+      <mc:AlternateContent xmlns:mc="http://schemas.openxmlformats.org/markup-compatibility/2006" xmlns:a14="http://schemas.microsoft.com/office/drawing/2010/main">
+        <mc:Choice Requires="a14">
           <p:sp>
             <p:nvSpPr>
               <p:cNvPr id="3" name="Content Placeholder 2">
@@ -10131,7 +10131,7 @@
             </p:txBody>
           </p:sp>
         </mc:Choice>
-        <mc:Fallback>
+        <mc:Fallback xmlns="">
           <p:sp>
             <p:nvSpPr>
               <p:cNvPr id="3" name="Content Placeholder 2">
@@ -10560,8 +10560,8 @@
           </a:p>
         </p:txBody>
       </p:sp>
-      <mc:AlternateContent xmlns:mc="http://schemas.openxmlformats.org/markup-compatibility/2006">
-        <mc:Choice xmlns:a14="http://schemas.microsoft.com/office/drawing/2010/main" Requires="a14">
+      <mc:AlternateContent xmlns:mc="http://schemas.openxmlformats.org/markup-compatibility/2006" xmlns:a14="http://schemas.microsoft.com/office/drawing/2010/main">
+        <mc:Choice Requires="a14">
           <p:sp>
             <p:nvSpPr>
               <p:cNvPr id="3" name="Content Placeholder 2">
@@ -11004,7 +11004,7 @@
             </p:txBody>
           </p:sp>
         </mc:Choice>
-        <mc:Fallback>
+        <mc:Fallback xmlns="">
           <p:sp>
             <p:nvSpPr>
               <p:cNvPr id="3" name="Content Placeholder 2">
@@ -11137,8 +11137,8 @@
           </a:p>
         </p:txBody>
       </p:sp>
-      <mc:AlternateContent xmlns:mc="http://schemas.openxmlformats.org/markup-compatibility/2006">
-        <mc:Choice xmlns:a14="http://schemas.microsoft.com/office/drawing/2010/main" Requires="a14">
+      <mc:AlternateContent xmlns:mc="http://schemas.openxmlformats.org/markup-compatibility/2006" xmlns:a14="http://schemas.microsoft.com/office/drawing/2010/main">
+        <mc:Choice Requires="a14">
           <p:sp>
             <p:nvSpPr>
               <p:cNvPr id="3" name="Content Placeholder 2">
@@ -11386,7 +11386,7 @@
             </p:txBody>
           </p:sp>
         </mc:Choice>
-        <mc:Fallback>
+        <mc:Fallback xmlns="">
           <p:sp>
             <p:nvSpPr>
               <p:cNvPr id="3" name="Content Placeholder 2">
@@ -11525,8 +11525,8 @@
           </a:p>
         </p:txBody>
       </p:sp>
-      <mc:AlternateContent xmlns:mc="http://schemas.openxmlformats.org/markup-compatibility/2006">
-        <mc:Choice xmlns:a14="http://schemas.microsoft.com/office/drawing/2010/main" Requires="a14">
+      <mc:AlternateContent xmlns:mc="http://schemas.openxmlformats.org/markup-compatibility/2006" xmlns:a14="http://schemas.microsoft.com/office/drawing/2010/main">
+        <mc:Choice Requires="a14">
           <p:sp>
             <p:nvSpPr>
               <p:cNvPr id="3" name="Content Placeholder 2">
@@ -13079,7 +13079,7 @@
             </p:txBody>
           </p:sp>
         </mc:Choice>
-        <mc:Fallback>
+        <mc:Fallback xmlns="">
           <p:sp>
             <p:nvSpPr>
               <p:cNvPr id="3" name="Content Placeholder 2">
@@ -13182,8 +13182,8 @@
           </a:p>
         </p:txBody>
       </p:sp>
-      <mc:AlternateContent xmlns:mc="http://schemas.openxmlformats.org/markup-compatibility/2006">
-        <mc:Choice xmlns:a14="http://schemas.microsoft.com/office/drawing/2010/main" Requires="a14">
+      <mc:AlternateContent xmlns:mc="http://schemas.openxmlformats.org/markup-compatibility/2006" xmlns:a14="http://schemas.microsoft.com/office/drawing/2010/main">
+        <mc:Choice Requires="a14">
           <p:sp>
             <p:nvSpPr>
               <p:cNvPr id="3" name="Content Placeholder 2">
@@ -13605,7 +13605,7 @@
             </p:txBody>
           </p:sp>
         </mc:Choice>
-        <mc:Fallback>
+        <mc:Fallback xmlns="">
           <p:sp>
             <p:nvSpPr>
               <p:cNvPr id="3" name="Content Placeholder 2">
@@ -13744,8 +13744,8 @@
           </a:p>
         </p:txBody>
       </p:sp>
-      <mc:AlternateContent xmlns:mc="http://schemas.openxmlformats.org/markup-compatibility/2006">
-        <mc:Choice xmlns:a14="http://schemas.microsoft.com/office/drawing/2010/main" Requires="a14">
+      <mc:AlternateContent xmlns:mc="http://schemas.openxmlformats.org/markup-compatibility/2006" xmlns:a14="http://schemas.microsoft.com/office/drawing/2010/main">
+        <mc:Choice Requires="a14">
           <p:sp>
             <p:nvSpPr>
               <p:cNvPr id="3" name="Content Placeholder 2">
@@ -14120,7 +14120,7 @@
             </p:txBody>
           </p:sp>
         </mc:Choice>
-        <mc:Fallback>
+        <mc:Fallback xmlns="">
           <p:sp>
             <p:nvSpPr>
               <p:cNvPr id="3" name="Content Placeholder 2">
@@ -14223,8 +14223,8 @@
           </a:p>
         </p:txBody>
       </p:sp>
-      <mc:AlternateContent xmlns:mc="http://schemas.openxmlformats.org/markup-compatibility/2006">
-        <mc:Choice xmlns:a14="http://schemas.microsoft.com/office/drawing/2010/main" Requires="a14">
+      <mc:AlternateContent xmlns:mc="http://schemas.openxmlformats.org/markup-compatibility/2006" xmlns:a14="http://schemas.microsoft.com/office/drawing/2010/main">
+        <mc:Choice Requires="a14">
           <p:sp>
             <p:nvSpPr>
               <p:cNvPr id="3" name="Content Placeholder 2">
@@ -15035,7 +15035,7 @@
             </p:txBody>
           </p:sp>
         </mc:Choice>
-        <mc:Fallback>
+        <mc:Fallback xmlns="">
           <p:sp>
             <p:nvSpPr>
               <p:cNvPr id="3" name="Content Placeholder 2">
@@ -15138,8 +15138,8 @@
           </a:p>
         </p:txBody>
       </p:sp>
-      <mc:AlternateContent xmlns:mc="http://schemas.openxmlformats.org/markup-compatibility/2006">
-        <mc:Choice xmlns:a14="http://schemas.microsoft.com/office/drawing/2010/main" Requires="a14">
+      <mc:AlternateContent xmlns:mc="http://schemas.openxmlformats.org/markup-compatibility/2006" xmlns:a14="http://schemas.microsoft.com/office/drawing/2010/main">
+        <mc:Choice Requires="a14">
           <p:sp>
             <p:nvSpPr>
               <p:cNvPr id="3" name="Content Placeholder 2">
@@ -15467,16 +15467,7 @@
                                 </a:solidFill>
                                 <a:latin typeface="Cambria Math" panose="02040503050406030204" pitchFamily="18" charset="0"/>
                               </a:rPr>
-                              <m:t>∗</m:t>
-                            </m:r>
-                            <m:r>
-                              <a:rPr lang="en-US" sz="2600" i="1">
-                                <a:solidFill>
-                                  <a:schemeClr val="tx1"/>
-                                </a:solidFill>
-                                <a:latin typeface="Cambria Math" panose="02040503050406030204" pitchFamily="18" charset="0"/>
-                              </a:rPr>
-                              <m:t>∗</m:t>
+                              <m:t>∗∗</m:t>
                             </m:r>
                           </m:sup>
                         </m:sSup>
@@ -15503,7 +15494,7 @@
                     <m:d>
                       <m:dPr>
                         <m:ctrlPr>
-                          <a:rPr lang="en-US" sz="2600" b="0" i="0" smtClean="0">
+                          <a:rPr lang="en-US" sz="2600" b="0" i="1" smtClean="0">
                             <a:solidFill>
                               <a:schemeClr val="tx1"/>
                             </a:solidFill>
@@ -16090,7 +16081,7 @@
             </p:txBody>
           </p:sp>
         </mc:Choice>
-        <mc:Fallback>
+        <mc:Fallback xmlns="">
           <p:sp>
             <p:nvSpPr>
               <p:cNvPr id="3" name="Content Placeholder 2">
@@ -16192,8 +16183,8 @@
           </a:p>
         </p:txBody>
       </p:sp>
-      <mc:AlternateContent xmlns:mc="http://schemas.openxmlformats.org/markup-compatibility/2006">
-        <mc:Choice xmlns:a14="http://schemas.microsoft.com/office/drawing/2010/main" Requires="a14">
+      <mc:AlternateContent xmlns:mc="http://schemas.openxmlformats.org/markup-compatibility/2006" xmlns:a14="http://schemas.microsoft.com/office/drawing/2010/main">
+        <mc:Choice Requires="a14">
           <p:sp>
             <p:nvSpPr>
               <p:cNvPr id="3" name="Content Placeholder 2">
@@ -16583,7 +16574,7 @@
             </p:txBody>
           </p:sp>
         </mc:Choice>
-        <mc:Fallback>
+        <mc:Fallback xmlns="">
           <p:sp>
             <p:nvSpPr>
               <p:cNvPr id="3" name="Content Placeholder 2">
@@ -16686,8 +16677,8 @@
           </a:p>
         </p:txBody>
       </p:sp>
-      <mc:AlternateContent xmlns:mc="http://schemas.openxmlformats.org/markup-compatibility/2006">
-        <mc:Choice xmlns:a14="http://schemas.microsoft.com/office/drawing/2010/main" Requires="a14">
+      <mc:AlternateContent xmlns:mc="http://schemas.openxmlformats.org/markup-compatibility/2006" xmlns:a14="http://schemas.microsoft.com/office/drawing/2010/main">
+        <mc:Choice Requires="a14">
           <p:sp>
             <p:nvSpPr>
               <p:cNvPr id="7" name="Content Placeholder 6">
@@ -17038,7 +17029,7 @@
             </p:txBody>
           </p:sp>
         </mc:Choice>
-        <mc:Fallback>
+        <mc:Fallback xmlns="">
           <p:sp>
             <p:nvSpPr>
               <p:cNvPr id="7" name="Content Placeholder 6">
@@ -17177,8 +17168,8 @@
           </a:p>
         </p:txBody>
       </p:sp>
-      <mc:AlternateContent xmlns:mc="http://schemas.openxmlformats.org/markup-compatibility/2006">
-        <mc:Choice xmlns:a14="http://schemas.microsoft.com/office/drawing/2010/main" Requires="a14">
+      <mc:AlternateContent xmlns:mc="http://schemas.openxmlformats.org/markup-compatibility/2006" xmlns:a14="http://schemas.microsoft.com/office/drawing/2010/main">
+        <mc:Choice Requires="a14">
           <p:sp>
             <p:nvSpPr>
               <p:cNvPr id="7" name="Content Placeholder 6">
@@ -17684,17 +17675,7 @@
                         </a:solidFill>
                         <a:latin typeface="Cambria Math" panose="02040503050406030204" pitchFamily="18" charset="0"/>
                       </a:rPr>
-                      <m:t>=</m:t>
-                    </m:r>
-                    <m:r>
-                      <a:rPr lang="en-US" sz="2300" b="0" i="1" smtClean="0">
-                        <a:solidFill>
-                          <a:schemeClr val="tx1"/>
-                        </a:solidFill>
-                        <a:latin typeface="Cambria Math" panose="02040503050406030204" pitchFamily="18" charset="0"/>
-                        <a:ea typeface="Cambria Math" panose="02040503050406030204" pitchFamily="18" charset="0"/>
-                      </a:rPr>
-                      <m:t>∅</m:t>
+                      <m:t>=∅</m:t>
                     </m:r>
                   </m:oMath>
                 </a14:m>
@@ -17770,7 +17751,7 @@
             </p:txBody>
           </p:sp>
         </mc:Choice>
-        <mc:Fallback>
+        <mc:Fallback xmlns="">
           <p:sp>
             <p:nvSpPr>
               <p:cNvPr id="7" name="Content Placeholder 6">
@@ -18200,8 +18181,8 @@
           </a:xfrm>
         </p:spPr>
       </p:pic>
-      <mc:AlternateContent xmlns:mc="http://schemas.openxmlformats.org/markup-compatibility/2006">
-        <mc:Choice xmlns:a14="http://schemas.microsoft.com/office/drawing/2010/main" Requires="a14">
+      <mc:AlternateContent xmlns:mc="http://schemas.openxmlformats.org/markup-compatibility/2006" xmlns:a14="http://schemas.microsoft.com/office/drawing/2010/main">
+        <mc:Choice Requires="a14">
           <p:sp>
             <p:nvSpPr>
               <p:cNvPr id="10" name="TextBox 9">
@@ -18427,7 +18408,7 @@
             </p:txBody>
           </p:sp>
         </mc:Choice>
-        <mc:Fallback>
+        <mc:Fallback xmlns="">
           <p:sp>
             <p:nvSpPr>
               <p:cNvPr id="10" name="TextBox 9">
@@ -18780,8 +18761,21 @@
                       <a:schemeClr val="accent1"/>
                     </a:solidFill>
                   </a:rPr>
-                  <a:t>We will prove by induction on the loop invariant.</a:t>
-                </a:r>
+                  <a:t>We will prove </a:t>
+                </a:r>
+                <a:r>
+                  <a:rPr lang="en-US">
+                    <a:solidFill>
+                      <a:schemeClr val="accent1"/>
+                    </a:solidFill>
+                  </a:rPr>
+                  <a:t>by induction.</a:t>
+                </a:r>
+                <a:endParaRPr lang="en-US" dirty="0">
+                  <a:solidFill>
+                    <a:schemeClr val="accent1"/>
+                  </a:solidFill>
+                </a:endParaRPr>
               </a:p>
               <a:p>
                 <a:pPr marL="0" indent="0">
@@ -18837,7 +18831,25 @@
                         </a:solidFill>
                         <a:latin typeface="Cambria Math" panose="02040503050406030204" pitchFamily="18" charset="0"/>
                       </a:rPr>
-                      <m:t>=∅</m:t>
+                      <m:t>={</m:t>
+                    </m:r>
+                    <m:r>
+                      <a:rPr lang="en-US" b="0" i="1" smtClean="0">
+                        <a:solidFill>
+                          <a:schemeClr val="tx1"/>
+                        </a:solidFill>
+                        <a:latin typeface="Cambria Math" panose="02040503050406030204" pitchFamily="18" charset="0"/>
+                      </a:rPr>
+                      <m:t>𝑟</m:t>
+                    </m:r>
+                    <m:r>
+                      <a:rPr lang="en-US" b="0" i="1" smtClean="0">
+                        <a:solidFill>
+                          <a:schemeClr val="tx1"/>
+                        </a:solidFill>
+                        <a:latin typeface="Cambria Math" panose="02040503050406030204" pitchFamily="18" charset="0"/>
+                      </a:rPr>
+                      <m:t>}</m:t>
                     </m:r>
                   </m:oMath>
                 </a14:m>
@@ -18847,18 +18859,8 @@
                       <a:schemeClr val="accent1"/>
                     </a:solidFill>
                   </a:rPr>
-                  <a:t>. The invariant trivially holds since the empty set is a trivial subset of any MST.</a:t>
-                </a:r>
-              </a:p>
-              <a:p>
-                <a:pPr marL="0" indent="0">
-                  <a:buNone/>
-                </a:pPr>
-                <a:endParaRPr lang="en-US" dirty="0">
-                  <a:solidFill>
-                    <a:schemeClr val="accent1"/>
-                  </a:solidFill>
-                </a:endParaRPr>
+                  <a:t>. The invariant trivially holds since the any singleton set is a trivial subset of any MST.</a:t>
+                </a:r>
               </a:p>
             </p:txBody>
           </p:sp>
@@ -18987,7 +18989,7 @@
             <p:spPr/>
             <p:txBody>
               <a:bodyPr>
-                <a:normAutofit fontScale="92500" lnSpcReduction="20000"/>
+                <a:normAutofit fontScale="85000" lnSpcReduction="20000"/>
               </a:bodyPr>
               <a:lstStyle/>
               <a:p>
@@ -19010,13 +19012,31 @@
                   </a:rPr>
                   <a:t>: </a:t>
                 </a:r>
+              </a:p>
+              <a:p>
+                <a:pPr marL="0" indent="0">
+                  <a:buNone/>
+                </a:pPr>
                 <a:r>
                   <a:rPr lang="en-US" dirty="0">
                     <a:solidFill>
                       <a:schemeClr val="accent1"/>
                     </a:solidFill>
                   </a:rPr>
-                  <a:t>Assuming the loop invariant holds at the current iteration, we have </a:t>
+                  <a:t>Assuming the loop invariant holds at the current iteration,</a:t>
+                </a:r>
+              </a:p>
+              <a:p>
+                <a:pPr marL="0" indent="0">
+                  <a:buNone/>
+                </a:pPr>
+                <a:r>
+                  <a:rPr lang="en-US" dirty="0">
+                    <a:solidFill>
+                      <a:schemeClr val="accent1"/>
+                    </a:solidFill>
+                  </a:rPr>
+                  <a:t>				 we have </a:t>
                 </a:r>
                 <a14:m>
                   <m:oMath xmlns:m="http://schemas.openxmlformats.org/officeDocument/2006/math">
@@ -19197,7 +19217,7 @@
                     <m:d>
                       <m:dPr>
                         <m:ctrlPr>
-                          <a:rPr lang="en-US" b="0" i="0" dirty="0" smtClean="0">
+                          <a:rPr lang="en-US" b="0" i="1" dirty="0" smtClean="0">
                             <a:latin typeface="Cambria Math" panose="02040503050406030204" pitchFamily="18" charset="0"/>
                           </a:rPr>
                         </m:ctrlPr>
@@ -19808,7 +19828,7 @@
               <a:blipFill>
                 <a:blip r:embed="rId2"/>
                 <a:stretch>
-                  <a:fillRect l="-1043" t="-3501" r="-522"/>
+                  <a:fillRect l="-928" t="-3221" b="-2521"/>
                 </a:stretch>
               </a:blipFill>
             </p:spPr>
@@ -20067,20 +20087,20 @@
                   <a:buNone/>
                 </a:pPr>
                 <a:r>
-                  <a:rPr lang="en-US" b="1" i="1" u="sng" dirty="0">
+                  <a:rPr lang="en-US" b="1" i="1" dirty="0">
+                    <a:solidFill>
+                      <a:srgbClr val="00B050"/>
+                    </a:solidFill>
+                  </a:rPr>
+                  <a:t>[Observation]</a:t>
+                </a:r>
+                <a:r>
+                  <a:rPr lang="en-US" b="1" i="1" dirty="0">
                     <a:solidFill>
                       <a:srgbClr val="FF0000"/>
                     </a:solidFill>
                   </a:rPr>
-                  <a:t>Observation</a:t>
-                </a:r>
-                <a:r>
-                  <a:rPr lang="en-US" b="1" i="1" dirty="0">
-                    <a:solidFill>
-                      <a:srgbClr val="FF0000"/>
-                    </a:solidFill>
-                  </a:rPr>
-                  <a:t>: </a:t>
+                  <a:t> </a:t>
                 </a:r>
                 <a:r>
                   <a:rPr lang="en-US" dirty="0">
@@ -20438,7 +20458,7 @@
                     <m:sSub>
                       <m:sSubPr>
                         <m:ctrlPr>
-                          <a:rPr lang="en-US">
+                          <a:rPr lang="en-US" i="1">
                             <a:latin typeface="Cambria Math" panose="02040503050406030204" pitchFamily="18" charset="0"/>
                           </a:rPr>
                         </m:ctrlPr>
@@ -20610,7 +20630,7 @@
               <a:blipFill>
                 <a:blip r:embed="rId2"/>
                 <a:stretch>
-                  <a:fillRect l="-1217" t="-2241"/>
+                  <a:fillRect l="-1217" t="-2241" r="-928"/>
                 </a:stretch>
               </a:blipFill>
             </p:spPr>

--- a/Lectures/Lecture 8.pptx
+++ b/Lectures/Lecture 8.pptx
@@ -18761,21 +18761,8 @@
                       <a:schemeClr val="accent1"/>
                     </a:solidFill>
                   </a:rPr>
-                  <a:t>We will prove </a:t>
-                </a:r>
-                <a:r>
-                  <a:rPr lang="en-US">
-                    <a:solidFill>
-                      <a:schemeClr val="accent1"/>
-                    </a:solidFill>
-                  </a:rPr>
-                  <a:t>by induction.</a:t>
-                </a:r>
-                <a:endParaRPr lang="en-US" dirty="0">
-                  <a:solidFill>
-                    <a:schemeClr val="accent1"/>
-                  </a:solidFill>
-                </a:endParaRPr>
+                  <a:t>We will prove by induction.</a:t>
+                </a:r>
               </a:p>
               <a:p>
                 <a:pPr marL="0" indent="0">
@@ -18831,25 +18818,7 @@
                         </a:solidFill>
                         <a:latin typeface="Cambria Math" panose="02040503050406030204" pitchFamily="18" charset="0"/>
                       </a:rPr>
-                      <m:t>={</m:t>
-                    </m:r>
-                    <m:r>
-                      <a:rPr lang="en-US" b="0" i="1" smtClean="0">
-                        <a:solidFill>
-                          <a:schemeClr val="tx1"/>
-                        </a:solidFill>
-                        <a:latin typeface="Cambria Math" panose="02040503050406030204" pitchFamily="18" charset="0"/>
-                      </a:rPr>
-                      <m:t>𝑟</m:t>
-                    </m:r>
-                    <m:r>
-                      <a:rPr lang="en-US" b="0" i="1" smtClean="0">
-                        <a:solidFill>
-                          <a:schemeClr val="tx1"/>
-                        </a:solidFill>
-                        <a:latin typeface="Cambria Math" panose="02040503050406030204" pitchFamily="18" charset="0"/>
-                      </a:rPr>
-                      <m:t>}</m:t>
+                      <m:t>=∅</m:t>
                     </m:r>
                   </m:oMath>
                 </a14:m>
@@ -18859,7 +18828,57 @@
                       <a:schemeClr val="accent1"/>
                     </a:solidFill>
                   </a:rPr>
-                  <a:t>. The invariant trivially holds since the any singleton set is a trivial subset of any MST.</a:t>
+                  <a:t> so </a:t>
+                </a:r>
+                <a14:m>
+                  <m:oMath xmlns:m="http://schemas.openxmlformats.org/officeDocument/2006/math">
+                    <m:sSub>
+                      <m:sSubPr>
+                        <m:ctrlPr>
+                          <a:rPr lang="en-US" i="1">
+                            <a:latin typeface="Cambria Math" panose="02040503050406030204" pitchFamily="18" charset="0"/>
+                          </a:rPr>
+                        </m:ctrlPr>
+                      </m:sSubPr>
+                      <m:e>
+                        <m:r>
+                          <a:rPr lang="en-US" i="1">
+                            <a:latin typeface="Cambria Math" panose="02040503050406030204" pitchFamily="18" charset="0"/>
+                          </a:rPr>
+                          <m:t>𝑇</m:t>
+                        </m:r>
+                      </m:e>
+                      <m:sub>
+                        <m:r>
+                          <a:rPr lang="en-US" i="1">
+                            <a:latin typeface="Cambria Math" panose="02040503050406030204" pitchFamily="18" charset="0"/>
+                          </a:rPr>
+                          <m:t>𝑠</m:t>
+                        </m:r>
+                      </m:sub>
+                    </m:sSub>
+                    <m:r>
+                      <a:rPr lang="en-US" b="0" i="1" smtClean="0">
+                        <a:latin typeface="Cambria Math" panose="02040503050406030204" pitchFamily="18" charset="0"/>
+                      </a:rPr>
+                      <m:t>=</m:t>
+                    </m:r>
+                    <m:r>
+                      <a:rPr lang="en-US" b="0" i="1" smtClean="0">
+                        <a:latin typeface="Cambria Math" panose="02040503050406030204" pitchFamily="18" charset="0"/>
+                        <a:ea typeface="Cambria Math" panose="02040503050406030204" pitchFamily="18" charset="0"/>
+                      </a:rPr>
+                      <m:t>∅</m:t>
+                    </m:r>
+                  </m:oMath>
+                </a14:m>
+                <a:r>
+                  <a:rPr lang="en-US" dirty="0">
+                    <a:solidFill>
+                      <a:schemeClr val="accent1"/>
+                    </a:solidFill>
+                  </a:rPr>
+                  <a:t>. The invariant trivially holds since the any empty set is a trivial subset of any MST.</a:t>
                 </a:r>
               </a:p>
             </p:txBody>
@@ -18968,8 +18987,8 @@
           </a:p>
         </p:txBody>
       </p:sp>
-      <mc:AlternateContent xmlns:mc="http://schemas.openxmlformats.org/markup-compatibility/2006">
-        <mc:Choice xmlns:a14="http://schemas.microsoft.com/office/drawing/2010/main" Requires="a14">
+      <mc:AlternateContent xmlns:mc="http://schemas.openxmlformats.org/markup-compatibility/2006" xmlns:a14="http://schemas.microsoft.com/office/drawing/2010/main">
+        <mc:Choice Requires="a14">
           <p:sp>
             <p:nvSpPr>
               <p:cNvPr id="3" name="Content Placeholder 2">
@@ -19807,7 +19826,7 @@
             </p:txBody>
           </p:sp>
         </mc:Choice>
-        <mc:Fallback>
+        <mc:Fallback xmlns="">
           <p:sp>
             <p:nvSpPr>
               <p:cNvPr id="3" name="Content Placeholder 2">
@@ -19910,8 +19929,8 @@
           </a:p>
         </p:txBody>
       </p:sp>
-      <mc:AlternateContent xmlns:mc="http://schemas.openxmlformats.org/markup-compatibility/2006">
-        <mc:Choice xmlns:a14="http://schemas.microsoft.com/office/drawing/2010/main" Requires="a14">
+      <mc:AlternateContent xmlns:mc="http://schemas.openxmlformats.org/markup-compatibility/2006" xmlns:a14="http://schemas.microsoft.com/office/drawing/2010/main">
+        <mc:Choice Requires="a14">
           <p:sp>
             <p:nvSpPr>
               <p:cNvPr id="3" name="Content Placeholder 2">
@@ -20609,7 +20628,7 @@
             </p:txBody>
           </p:sp>
         </mc:Choice>
-        <mc:Fallback>
+        <mc:Fallback xmlns="">
           <p:sp>
             <p:nvSpPr>
               <p:cNvPr id="3" name="Content Placeholder 2">

--- a/Lectures/Lecture 8.pptx
+++ b/Lectures/Lecture 8.pptx
@@ -242,7 +242,7 @@
           <a:p>
             <a:fld id="{1CB48AD5-CDAE-4B7B-B49D-6DB81FF5A179}" type="datetimeFigureOut">
               <a:rPr lang="en-US" smtClean="0"/>
-              <a:t>9/24/2020</a:t>
+              <a:t>9/25/2020</a:t>
             </a:fld>
             <a:endParaRPr lang="en-US"/>
           </a:p>
@@ -656,7 +656,7 @@
           <a:p>
             <a:fld id="{C4959B56-7D6D-462F-B061-93C9E323EE8A}" type="datetimeFigureOut">
               <a:rPr lang="en-US" smtClean="0"/>
-              <a:t>9/24/2020</a:t>
+              <a:t>9/25/2020</a:t>
             </a:fld>
             <a:endParaRPr lang="en-US"/>
           </a:p>
@@ -854,7 +854,7 @@
           <a:p>
             <a:fld id="{C4959B56-7D6D-462F-B061-93C9E323EE8A}" type="datetimeFigureOut">
               <a:rPr lang="en-US" smtClean="0"/>
-              <a:t>9/24/2020</a:t>
+              <a:t>9/25/2020</a:t>
             </a:fld>
             <a:endParaRPr lang="en-US"/>
           </a:p>
@@ -1062,7 +1062,7 @@
           <a:p>
             <a:fld id="{C4959B56-7D6D-462F-B061-93C9E323EE8A}" type="datetimeFigureOut">
               <a:rPr lang="en-US" smtClean="0"/>
-              <a:t>9/24/2020</a:t>
+              <a:t>9/25/2020</a:t>
             </a:fld>
             <a:endParaRPr lang="en-US"/>
           </a:p>
@@ -1260,7 +1260,7 @@
           <a:p>
             <a:fld id="{C4959B56-7D6D-462F-B061-93C9E323EE8A}" type="datetimeFigureOut">
               <a:rPr lang="en-US" smtClean="0"/>
-              <a:t>9/24/2020</a:t>
+              <a:t>9/25/2020</a:t>
             </a:fld>
             <a:endParaRPr lang="en-US"/>
           </a:p>
@@ -1535,7 +1535,7 @@
           <a:p>
             <a:fld id="{C4959B56-7D6D-462F-B061-93C9E323EE8A}" type="datetimeFigureOut">
               <a:rPr lang="en-US" smtClean="0"/>
-              <a:t>9/24/2020</a:t>
+              <a:t>9/25/2020</a:t>
             </a:fld>
             <a:endParaRPr lang="en-US"/>
           </a:p>
@@ -1800,7 +1800,7 @@
           <a:p>
             <a:fld id="{C4959B56-7D6D-462F-B061-93C9E323EE8A}" type="datetimeFigureOut">
               <a:rPr lang="en-US" smtClean="0"/>
-              <a:t>9/24/2020</a:t>
+              <a:t>9/25/2020</a:t>
             </a:fld>
             <a:endParaRPr lang="en-US"/>
           </a:p>
@@ -2212,7 +2212,7 @@
           <a:p>
             <a:fld id="{C4959B56-7D6D-462F-B061-93C9E323EE8A}" type="datetimeFigureOut">
               <a:rPr lang="en-US" smtClean="0"/>
-              <a:t>9/24/2020</a:t>
+              <a:t>9/25/2020</a:t>
             </a:fld>
             <a:endParaRPr lang="en-US"/>
           </a:p>
@@ -2353,7 +2353,7 @@
           <a:p>
             <a:fld id="{C4959B56-7D6D-462F-B061-93C9E323EE8A}" type="datetimeFigureOut">
               <a:rPr lang="en-US" smtClean="0"/>
-              <a:t>9/24/2020</a:t>
+              <a:t>9/25/2020</a:t>
             </a:fld>
             <a:endParaRPr lang="en-US"/>
           </a:p>
@@ -2466,7 +2466,7 @@
           <a:p>
             <a:fld id="{C4959B56-7D6D-462F-B061-93C9E323EE8A}" type="datetimeFigureOut">
               <a:rPr lang="en-US" smtClean="0"/>
-              <a:t>9/24/2020</a:t>
+              <a:t>9/25/2020</a:t>
             </a:fld>
             <a:endParaRPr lang="en-US"/>
           </a:p>
@@ -2777,7 +2777,7 @@
           <a:p>
             <a:fld id="{C4959B56-7D6D-462F-B061-93C9E323EE8A}" type="datetimeFigureOut">
               <a:rPr lang="en-US" smtClean="0"/>
-              <a:t>9/24/2020</a:t>
+              <a:t>9/25/2020</a:t>
             </a:fld>
             <a:endParaRPr lang="en-US"/>
           </a:p>
@@ -3065,7 +3065,7 @@
           <a:p>
             <a:fld id="{C4959B56-7D6D-462F-B061-93C9E323EE8A}" type="datetimeFigureOut">
               <a:rPr lang="en-US" smtClean="0"/>
-              <a:t>9/24/2020</a:t>
+              <a:t>9/25/2020</a:t>
             </a:fld>
             <a:endParaRPr lang="en-US"/>
           </a:p>
@@ -3306,7 +3306,7 @@
           <a:p>
             <a:fld id="{C4959B56-7D6D-462F-B061-93C9E323EE8A}" type="datetimeFigureOut">
               <a:rPr lang="en-US" smtClean="0"/>
-              <a:t>9/24/2020</a:t>
+              <a:t>9/25/2020</a:t>
             </a:fld>
             <a:endParaRPr lang="en-US"/>
           </a:p>
@@ -18878,7 +18878,7 @@
                       <a:schemeClr val="accent1"/>
                     </a:solidFill>
                   </a:rPr>
-                  <a:t>. The invariant trivially holds since the any empty set is a trivial subset of any MST.</a:t>
+                  <a:t>. The invariant trivially holds since any empty set is a trivial subset of any MST.</a:t>
                 </a:r>
               </a:p>
             </p:txBody>
